--- a/DATA-422-Data Wrangling Group Project.pptx
+++ b/DATA-422-Data Wrangling Group Project.pptx
@@ -216,7 +216,7 @@
           <a:p>
             <a:fld id="{876F1970-FFD2-44B0-98E7-04CF6EFF7E3A}" type="datetimeFigureOut">
               <a:rPr lang="en-IN" smtClean="0"/>
-              <a:t>10-10-2020</a:t>
+              <a:t>11-10-2020</a:t>
             </a:fld>
             <a:endParaRPr lang="en-IN"/>
           </a:p>
@@ -942,7 +942,7 @@
           <a:p>
             <a:fld id="{AC5E4971-9D49-44D4-949B-A28B04E7F4BC}" type="datetime1">
               <a:rPr lang="en-US" smtClean="0"/>
-              <a:t>10/10/2020</a:t>
+              <a:t>10/11/2020</a:t>
             </a:fld>
             <a:endParaRPr lang="en-US"/>
           </a:p>
@@ -1210,7 +1210,7 @@
           <a:p>
             <a:fld id="{8FB9EE63-34AD-4586-82B2-D39A9D86DDA9}" type="datetime1">
               <a:rPr lang="en-US" smtClean="0"/>
-              <a:t>10/10/2020</a:t>
+              <a:t>10/11/2020</a:t>
             </a:fld>
             <a:endParaRPr lang="en-US"/>
           </a:p>
@@ -1442,7 +1442,7 @@
           <a:p>
             <a:fld id="{98EC452A-852B-4762-B787-6A58FAEF14E4}" type="datetime1">
               <a:rPr lang="en-US" smtClean="0"/>
-              <a:t>10/10/2020</a:t>
+              <a:t>10/11/2020</a:t>
             </a:fld>
             <a:endParaRPr lang="en-US"/>
           </a:p>
@@ -1753,7 +1753,7 @@
           <a:p>
             <a:fld id="{66ADA5E5-9109-4EB4-9B87-881E8A340E2B}" type="datetime1">
               <a:rPr lang="en-US" smtClean="0"/>
-              <a:t>10/10/2020</a:t>
+              <a:t>10/11/2020</a:t>
             </a:fld>
             <a:endParaRPr lang="en-US"/>
           </a:p>
@@ -2227,7 +2227,7 @@
           <a:p>
             <a:fld id="{EE7F51ED-35CD-4773-9539-E77BBB9A5A39}" type="datetime1">
               <a:rPr lang="en-US" smtClean="0"/>
-              <a:t>10/10/2020</a:t>
+              <a:t>10/11/2020</a:t>
             </a:fld>
             <a:endParaRPr lang="en-US"/>
           </a:p>
@@ -2775,7 +2775,7 @@
           <a:p>
             <a:fld id="{E6F4489E-C910-4806-B088-BD2EE84CA4FD}" type="datetime1">
               <a:rPr lang="en-US" smtClean="0"/>
-              <a:t>10/10/2020</a:t>
+              <a:t>10/11/2020</a:t>
             </a:fld>
             <a:endParaRPr lang="en-US"/>
           </a:p>
@@ -3550,7 +3550,7 @@
           <a:p>
             <a:fld id="{7A5F15D6-327E-41E1-A8E5-8BB54F96497E}" type="datetime1">
               <a:rPr lang="en-US" smtClean="0"/>
-              <a:t>10/10/2020</a:t>
+              <a:t>10/11/2020</a:t>
             </a:fld>
             <a:endParaRPr lang="en-US"/>
           </a:p>
@@ -3726,7 +3726,7 @@
           <a:p>
             <a:fld id="{994B8AA9-3187-4E19-B379-913856B47A6D}" type="datetime1">
               <a:rPr lang="en-US" smtClean="0"/>
-              <a:t>10/10/2020</a:t>
+              <a:t>10/11/2020</a:t>
             </a:fld>
             <a:endParaRPr lang="en-US"/>
           </a:p>
@@ -3950,7 +3950,7 @@
           <a:p>
             <a:fld id="{61B8D950-42D1-47CE-805B-342271398280}" type="datetime1">
               <a:rPr lang="en-US" smtClean="0"/>
-              <a:t>10/10/2020</a:t>
+              <a:t>10/11/2020</a:t>
             </a:fld>
             <a:endParaRPr lang="en-US"/>
           </a:p>
@@ -4131,7 +4131,7 @@
           <a:p>
             <a:fld id="{6FC6997C-B222-4090-8FD9-6C30124A4BF5}" type="datetime1">
               <a:rPr lang="en-US" smtClean="0"/>
-              <a:t>10/10/2020</a:t>
+              <a:t>10/11/2020</a:t>
             </a:fld>
             <a:endParaRPr lang="en-US"/>
           </a:p>
@@ -4421,7 +4421,7 @@
           <a:p>
             <a:fld id="{6C5CFE81-8374-4BA9-B274-3AF2D3A8A64A}" type="datetime1">
               <a:rPr lang="en-US" smtClean="0"/>
-              <a:t>10/10/2020</a:t>
+              <a:t>10/11/2020</a:t>
             </a:fld>
             <a:endParaRPr lang="en-US"/>
           </a:p>
@@ -4664,7 +4664,7 @@
           <a:p>
             <a:fld id="{12E40AFC-19A2-403E-9E10-EAF4741D62D0}" type="datetime1">
               <a:rPr lang="en-US" smtClean="0"/>
-              <a:t>10/10/2020</a:t>
+              <a:t>10/11/2020</a:t>
             </a:fld>
             <a:endParaRPr lang="en-US"/>
           </a:p>
@@ -5044,7 +5044,7 @@
           <a:p>
             <a:fld id="{D811A50E-2E35-46AB-83E1-21784D664639}" type="datetime1">
               <a:rPr lang="en-US" smtClean="0"/>
-              <a:t>10/10/2020</a:t>
+              <a:t>10/11/2020</a:t>
             </a:fld>
             <a:endParaRPr lang="en-US"/>
           </a:p>
@@ -5163,7 +5163,7 @@
           <a:p>
             <a:fld id="{54CC12D3-DD59-4896-86A4-406AB953BF93}" type="datetime1">
               <a:rPr lang="en-US" smtClean="0"/>
-              <a:t>10/10/2020</a:t>
+              <a:t>10/11/2020</a:t>
             </a:fld>
             <a:endParaRPr lang="en-US"/>
           </a:p>
@@ -5259,7 +5259,7 @@
           <a:p>
             <a:fld id="{7B355520-D9D8-4C02-A368-2E40B957DFE9}" type="datetime1">
               <a:rPr lang="en-US" smtClean="0"/>
-              <a:t>10/10/2020</a:t>
+              <a:t>10/11/2020</a:t>
             </a:fld>
             <a:endParaRPr lang="en-US"/>
           </a:p>
@@ -5509,7 +5509,7 @@
           <a:p>
             <a:fld id="{27272D33-7067-4D7E-B3CE-619F731E8DAD}" type="datetime1">
               <a:rPr lang="en-US" smtClean="0"/>
-              <a:t>10/10/2020</a:t>
+              <a:t>10/11/2020</a:t>
             </a:fld>
             <a:endParaRPr lang="en-US"/>
           </a:p>
@@ -5767,7 +5767,7 @@
           <a:p>
             <a:fld id="{0071B547-F216-4CFF-9CA6-8F63BEF215FB}" type="datetime1">
               <a:rPr lang="en-US" smtClean="0"/>
-              <a:t>10/10/2020</a:t>
+              <a:t>10/11/2020</a:t>
             </a:fld>
             <a:endParaRPr lang="en-US"/>
           </a:p>
@@ -6011,7 +6011,7 @@
           <a:p>
             <a:fld id="{E72529FF-B17C-4D79-9632-8025832484CE}" type="datetime1">
               <a:rPr lang="en-US" smtClean="0"/>
-              <a:t>10/10/2020</a:t>
+              <a:t>10/11/2020</a:t>
             </a:fld>
             <a:endParaRPr lang="en-US"/>
           </a:p>
@@ -6434,10 +6434,10 @@
       </p:grpSpPr>
       <p:pic>
         <p:nvPicPr>
-          <p:cNvPr id="17" name="Picture 13">
+          <p:cNvPr id="34" name="Picture 33">
             <a:extLst>
               <a:ext uri="{FF2B5EF4-FFF2-40B4-BE49-F238E27FC236}">
-                <a16:creationId xmlns:a16="http://schemas.microsoft.com/office/drawing/2014/main" id="{BDFADFB3-3D44-49A8-AE3B-A87C61607F7E}"/>
+                <a16:creationId xmlns:a16="http://schemas.microsoft.com/office/drawing/2014/main" id="{C413590B-CB36-47BC-B705-69813F7B5F6F}"/>
               </a:ext>
               <a:ext uri="{C183D7F6-B498-43B3-948B-1728B52AA6E4}">
                 <adec:decorative xmlns:adec="http://schemas.microsoft.com/office/drawing/2017/decorative" val="1"/>
@@ -6477,12 +6477,71 @@
           </a:prstGeom>
         </p:spPr>
       </p:pic>
-      <p:sp useBgFill="1">
-        <p:nvSpPr>
-          <p:cNvPr id="16" name="Rectangle 15">
+      <p:sp>
+        <p:nvSpPr>
+          <p:cNvPr id="5" name="Title 1">
             <a:extLst>
               <a:ext uri="{FF2B5EF4-FFF2-40B4-BE49-F238E27FC236}">
-                <a16:creationId xmlns:a16="http://schemas.microsoft.com/office/drawing/2014/main" id="{CD94F7C0-1344-4B3C-AFCB-E7F006BB5348}"/>
+                <a16:creationId xmlns:a16="http://schemas.microsoft.com/office/drawing/2014/main" id="{C49ACC65-D907-4F34-ABC2-133111368E58}"/>
+              </a:ext>
+            </a:extLst>
+          </p:cNvPr>
+          <p:cNvSpPr txBox="1">
+            <a:spLocks/>
+          </p:cNvSpPr>
+          <p:nvPr/>
+        </p:nvSpPr>
+        <p:spPr>
+          <a:xfrm>
+            <a:off x="3505200" y="764373"/>
+            <a:ext cx="5124450" cy="1293028"/>
+          </a:xfrm>
+          <a:prstGeom prst="rect">
+            <a:avLst/>
+          </a:prstGeom>
+        </p:spPr>
+        <p:txBody>
+          <a:bodyPr vert="horz" lIns="91440" tIns="45720" rIns="91440" bIns="45720" rtlCol="0" anchor="ctr">
+            <a:normAutofit/>
+          </a:bodyPr>
+          <a:lstStyle>
+            <a:lvl1pPr algn="r" defTabSz="914400" rtl="0" eaLnBrk="1" latinLnBrk="0" hangingPunct="1">
+              <a:lnSpc>
+                <a:spcPct val="90000"/>
+              </a:lnSpc>
+              <a:spcBef>
+                <a:spcPct val="0"/>
+              </a:spcBef>
+              <a:buNone/>
+              <a:defRPr sz="4000" kern="1200" cap="all" baseline="0">
+                <a:solidFill>
+                  <a:schemeClr val="tx1"/>
+                </a:solidFill>
+                <a:latin typeface="+mj-lt"/>
+                <a:ea typeface="+mj-ea"/>
+                <a:cs typeface="+mj-cs"/>
+              </a:defRPr>
+            </a:lvl1pPr>
+          </a:lstStyle>
+          <a:p>
+            <a:pPr algn="l">
+              <a:spcAft>
+                <a:spcPts val="600"/>
+              </a:spcAft>
+            </a:pPr>
+            <a:r>
+              <a:rPr lang="en-US" dirty="0"/>
+              <a:t>Data-422-20S2 Data WRANGLING</a:t>
+            </a:r>
+          </a:p>
+        </p:txBody>
+      </p:sp>
+      <p:sp>
+        <p:nvSpPr>
+          <p:cNvPr id="36" name="Rectangle 35">
+            <a:extLst>
+              <a:ext uri="{FF2B5EF4-FFF2-40B4-BE49-F238E27FC236}">
+                <a16:creationId xmlns:a16="http://schemas.microsoft.com/office/drawing/2014/main" id="{39A1E4BA-7C9E-4CDE-8BA8-AD6D6C78AE50}"/>
               </a:ext>
               <a:ext uri="{C183D7F6-B498-43B3-948B-1728B52AA6E4}">
                 <adec:decorative xmlns:adec="http://schemas.microsoft.com/office/drawing/2017/decorative" val="1"/>
@@ -6503,11 +6562,14 @@
         <p:spPr>
           <a:xfrm>
             <a:off x="0" y="0"/>
-            <a:ext cx="9144000" cy="6858000"/>
+            <a:ext cx="3127245" cy="6858000"/>
           </a:xfrm>
           <a:prstGeom prst="rect">
             <a:avLst/>
           </a:prstGeom>
+          <a:solidFill>
+            <a:srgbClr val="FFFFFF"/>
+          </a:solidFill>
           <a:ln>
             <a:noFill/>
           </a:ln>
@@ -6539,423 +6601,6 @@
       </p:sp>
       <p:pic>
         <p:nvPicPr>
-          <p:cNvPr id="18" name="Picture 17">
-            <a:extLst>
-              <a:ext uri="{FF2B5EF4-FFF2-40B4-BE49-F238E27FC236}">
-                <a16:creationId xmlns:a16="http://schemas.microsoft.com/office/drawing/2014/main" id="{4EC584A2-4215-4DB8-AE1F-E3768D77E8DE}"/>
-              </a:ext>
-              <a:ext uri="{C183D7F6-B498-43B3-948B-1728B52AA6E4}">
-                <adec:decorative xmlns:adec="http://schemas.microsoft.com/office/drawing/2017/decorative" val="1"/>
-              </a:ext>
-            </a:extLst>
-          </p:cNvPr>
-          <p:cNvPicPr>
-            <a:picLocks noGrp="1" noRot="1" noChangeAspect="1" noMove="1" noResize="1" noEditPoints="1" noAdjustHandles="1" noChangeArrowheads="1" noChangeShapeType="1" noCrop="1"/>
-          </p:cNvPicPr>
-          <p:nvPr>
-            <p:extLst>
-              <p:ext uri="{386F3935-93C4-4BCD-93E2-E3B085C9AB24}">
-                <p16:designElem xmlns:p16="http://schemas.microsoft.com/office/powerpoint/2015/main" val="1"/>
-              </p:ext>
-            </p:extLst>
-          </p:nvPr>
-        </p:nvPicPr>
-        <p:blipFill>
-          <a:blip r:embed="rId2">
-            <a:extLst>
-              <a:ext uri="{28A0092B-C50C-407E-A947-70E740481C1C}">
-                <a14:useLocalDpi xmlns:a14="http://schemas.microsoft.com/office/drawing/2010/main" val="0"/>
-              </a:ext>
-            </a:extLst>
-          </a:blip>
-          <a:stretch>
-            <a:fillRect/>
-          </a:stretch>
-        </p:blipFill>
-        <p:spPr>
-          <a:xfrm>
-            <a:off x="0" y="0"/>
-            <a:ext cx="9144000" cy="1441450"/>
-          </a:xfrm>
-          <a:prstGeom prst="rect">
-            <a:avLst/>
-          </a:prstGeom>
-        </p:spPr>
-      </p:pic>
-      <p:sp>
-        <p:nvSpPr>
-          <p:cNvPr id="5" name="Title 1">
-            <a:extLst>
-              <a:ext uri="{FF2B5EF4-FFF2-40B4-BE49-F238E27FC236}">
-                <a16:creationId xmlns:a16="http://schemas.microsoft.com/office/drawing/2014/main" id="{C49ACC65-D907-4F34-ABC2-133111368E58}"/>
-              </a:ext>
-            </a:extLst>
-          </p:cNvPr>
-          <p:cNvSpPr txBox="1">
-            <a:spLocks/>
-          </p:cNvSpPr>
-          <p:nvPr/>
-        </p:nvSpPr>
-        <p:spPr>
-          <a:xfrm>
-            <a:off x="514349" y="152400"/>
-            <a:ext cx="2983229" cy="1600200"/>
-          </a:xfrm>
-          <a:prstGeom prst="rect">
-            <a:avLst/>
-          </a:prstGeom>
-        </p:spPr>
-        <p:txBody>
-          <a:bodyPr vert="horz" lIns="91440" tIns="45720" rIns="91440" bIns="45720" rtlCol="0" anchor="b">
-            <a:noAutofit/>
-          </a:bodyPr>
-          <a:lstStyle>
-            <a:lvl1pPr algn="r" defTabSz="914400" rtl="0" eaLnBrk="1" latinLnBrk="0" hangingPunct="1">
-              <a:lnSpc>
-                <a:spcPct val="90000"/>
-              </a:lnSpc>
-              <a:spcBef>
-                <a:spcPct val="0"/>
-              </a:spcBef>
-              <a:buNone/>
-              <a:defRPr sz="4000" kern="1200" cap="all" baseline="0">
-                <a:solidFill>
-                  <a:schemeClr val="tx1"/>
-                </a:solidFill>
-                <a:latin typeface="+mj-lt"/>
-                <a:ea typeface="+mj-ea"/>
-                <a:cs typeface="+mj-cs"/>
-              </a:defRPr>
-            </a:lvl1pPr>
-          </a:lstStyle>
-          <a:p>
-            <a:pPr algn="ctr">
-              <a:spcAft>
-                <a:spcPts val="600"/>
-              </a:spcAft>
-            </a:pPr>
-            <a:r>
-              <a:rPr lang="en-US" sz="2400" dirty="0">
-                <a:latin typeface="Times New Roman" panose="02020603050405020304" pitchFamily="18" charset="0"/>
-                <a:cs typeface="Times New Roman" panose="02020603050405020304" pitchFamily="18" charset="0"/>
-              </a:rPr>
-              <a:t>Data-422-20S2 Data WRANGLING</a:t>
-            </a:r>
-            <a:endParaRPr lang="en-US" sz="2400" kern="1200" cap="all" baseline="0" dirty="0">
-              <a:solidFill>
-                <a:schemeClr val="tx1"/>
-              </a:solidFill>
-              <a:latin typeface="Times New Roman" panose="02020603050405020304" pitchFamily="18" charset="0"/>
-              <a:cs typeface="Times New Roman" panose="02020603050405020304" pitchFamily="18" charset="0"/>
-            </a:endParaRPr>
-          </a:p>
-        </p:txBody>
-      </p:sp>
-      <p:sp>
-        <p:nvSpPr>
-          <p:cNvPr id="4" name="Slide Number Placeholder 3">
-            <a:extLst>
-              <a:ext uri="{FF2B5EF4-FFF2-40B4-BE49-F238E27FC236}">
-                <a16:creationId xmlns:a16="http://schemas.microsoft.com/office/drawing/2014/main" id="{710D593A-60B9-414C-A52C-6E1C0B0BBACB}"/>
-              </a:ext>
-            </a:extLst>
-          </p:cNvPr>
-          <p:cNvSpPr>
-            <a:spLocks noGrp="1"/>
-          </p:cNvSpPr>
-          <p:nvPr>
-            <p:ph type="sldNum" sz="quarter" idx="12"/>
-          </p:nvPr>
-        </p:nvSpPr>
-        <p:spPr>
-          <a:xfrm>
-            <a:off x="3581400" y="6324600"/>
-            <a:ext cx="2590800" cy="457200"/>
-          </a:xfrm>
-        </p:spPr>
-        <p:txBody>
-          <a:bodyPr vert="horz" lIns="91440" tIns="45720" rIns="91440" bIns="45720" rtlCol="0" anchor="ctr">
-            <a:normAutofit/>
-          </a:bodyPr>
-          <a:lstStyle/>
-          <a:p>
-            <a:pPr algn="ctr">
-              <a:spcAft>
-                <a:spcPts val="600"/>
-              </a:spcAft>
-            </a:pPr>
-            <a:r>
-              <a:rPr lang="en-US" sz="1200" dirty="0">
-                <a:latin typeface="Times New Roman" panose="02020603050405020304" pitchFamily="18" charset="0"/>
-                <a:cs typeface="Times New Roman" panose="02020603050405020304" pitchFamily="18" charset="0"/>
-              </a:rPr>
-              <a:t>1</a:t>
-            </a:r>
-          </a:p>
-        </p:txBody>
-      </p:sp>
-      <p:sp>
-        <p:nvSpPr>
-          <p:cNvPr id="6" name="Rectangle 5">
-            <a:extLst>
-              <a:ext uri="{FF2B5EF4-FFF2-40B4-BE49-F238E27FC236}">
-                <a16:creationId xmlns:a16="http://schemas.microsoft.com/office/drawing/2014/main" id="{02B7AEFA-3183-4DDE-866B-FB45DEA257E9}"/>
-              </a:ext>
-            </a:extLst>
-          </p:cNvPr>
-          <p:cNvSpPr/>
-          <p:nvPr/>
-        </p:nvSpPr>
-        <p:spPr>
-          <a:xfrm>
-            <a:off x="304800" y="2362200"/>
-            <a:ext cx="4057650" cy="3854112"/>
-          </a:xfrm>
-          <a:prstGeom prst="rect">
-            <a:avLst/>
-          </a:prstGeom>
-        </p:spPr>
-        <p:txBody>
-          <a:bodyPr vert="horz" lIns="91440" tIns="45720" rIns="91440" bIns="45720" rtlCol="0">
-            <a:normAutofit/>
-          </a:bodyPr>
-          <a:lstStyle/>
-          <a:p>
-            <a:pPr algn="just" defTabSz="914400">
-              <a:lnSpc>
-                <a:spcPct val="90000"/>
-              </a:lnSpc>
-              <a:spcAft>
-                <a:spcPts val="600"/>
-              </a:spcAft>
-            </a:pPr>
-            <a:endParaRPr lang="en-US" dirty="0">
-              <a:latin typeface="Times New Roman" panose="02020603050405020304" pitchFamily="18" charset="0"/>
-              <a:cs typeface="Times New Roman" panose="02020603050405020304" pitchFamily="18" charset="0"/>
-            </a:endParaRPr>
-          </a:p>
-          <a:p>
-            <a:pPr algn="just" defTabSz="914400">
-              <a:lnSpc>
-                <a:spcPct val="90000"/>
-              </a:lnSpc>
-              <a:spcAft>
-                <a:spcPts val="600"/>
-              </a:spcAft>
-            </a:pPr>
-            <a:r>
-              <a:rPr lang="en-US" dirty="0">
-                <a:latin typeface="Times New Roman" panose="02020603050405020304" pitchFamily="18" charset="0"/>
-                <a:cs typeface="Times New Roman" panose="02020603050405020304" pitchFamily="18" charset="0"/>
-              </a:rPr>
-              <a:t>Lecturer: Giulio Dalla Riva, Thomas Li</a:t>
-            </a:r>
-          </a:p>
-          <a:p>
-            <a:pPr algn="just" defTabSz="914400">
-              <a:lnSpc>
-                <a:spcPct val="90000"/>
-              </a:lnSpc>
-              <a:spcAft>
-                <a:spcPts val="600"/>
-              </a:spcAft>
-            </a:pPr>
-            <a:r>
-              <a:rPr lang="en-US" dirty="0">
-                <a:latin typeface="Times New Roman" panose="02020603050405020304" pitchFamily="18" charset="0"/>
-                <a:cs typeface="Times New Roman" panose="02020603050405020304" pitchFamily="18" charset="0"/>
-              </a:rPr>
-              <a:t>University of Canterbury</a:t>
-            </a:r>
-          </a:p>
-          <a:p>
-            <a:pPr indent="-228600" algn="just" defTabSz="914400">
-              <a:lnSpc>
-                <a:spcPct val="90000"/>
-              </a:lnSpc>
-              <a:spcAft>
-                <a:spcPts val="600"/>
-              </a:spcAft>
-              <a:buFont typeface="Arial" panose="020B0604020202020204" pitchFamily="34" charset="0"/>
-              <a:buChar char="•"/>
-            </a:pPr>
-            <a:endParaRPr lang="en-US" sz="1400" dirty="0"/>
-          </a:p>
-          <a:p>
-            <a:pPr indent="-228600" defTabSz="914400">
-              <a:lnSpc>
-                <a:spcPct val="90000"/>
-              </a:lnSpc>
-              <a:spcAft>
-                <a:spcPts val="600"/>
-              </a:spcAft>
-              <a:buFont typeface="Arial" panose="020B0604020202020204" pitchFamily="34" charset="0"/>
-              <a:buChar char="•"/>
-            </a:pPr>
-            <a:endParaRPr lang="en-US" sz="1400" dirty="0"/>
-          </a:p>
-        </p:txBody>
-      </p:sp>
-      <p:sp>
-        <p:nvSpPr>
-          <p:cNvPr id="7" name="Rectangle 6">
-            <a:extLst>
-              <a:ext uri="{FF2B5EF4-FFF2-40B4-BE49-F238E27FC236}">
-                <a16:creationId xmlns:a16="http://schemas.microsoft.com/office/drawing/2014/main" id="{E8841AA3-FC5A-4EF0-A0D7-A4772EF65501}"/>
-              </a:ext>
-            </a:extLst>
-          </p:cNvPr>
-          <p:cNvSpPr/>
-          <p:nvPr/>
-        </p:nvSpPr>
-        <p:spPr>
-          <a:xfrm>
-            <a:off x="56632" y="3581400"/>
-            <a:ext cx="4134368" cy="2877711"/>
-          </a:xfrm>
-          <a:prstGeom prst="rect">
-            <a:avLst/>
-          </a:prstGeom>
-        </p:spPr>
-        <p:txBody>
-          <a:bodyPr wrap="square">
-            <a:spAutoFit/>
-          </a:bodyPr>
-          <a:lstStyle/>
-          <a:p>
-            <a:pPr algn="ctr">
-              <a:spcAft>
-                <a:spcPts val="600"/>
-              </a:spcAft>
-            </a:pPr>
-            <a:r>
-              <a:rPr lang="en-IN" dirty="0">
-                <a:latin typeface="Times New Roman" panose="02020603050405020304" pitchFamily="18" charset="0"/>
-                <a:cs typeface="Times New Roman" panose="02020603050405020304" pitchFamily="18" charset="0"/>
-              </a:rPr>
-              <a:t> By Sharmistha Dutta (29625569)</a:t>
-            </a:r>
-          </a:p>
-          <a:p>
-            <a:pPr algn="ctr">
-              <a:spcAft>
-                <a:spcPts val="600"/>
-              </a:spcAft>
-            </a:pPr>
-            <a:r>
-              <a:rPr lang="en-IN" dirty="0" err="1">
-                <a:latin typeface="Times New Roman" panose="02020603050405020304" pitchFamily="18" charset="0"/>
-                <a:cs typeface="Times New Roman" panose="02020603050405020304" pitchFamily="18" charset="0"/>
-              </a:rPr>
-              <a:t>Prasoon</a:t>
-            </a:r>
-            <a:r>
-              <a:rPr lang="en-IN" dirty="0">
-                <a:latin typeface="Times New Roman" panose="02020603050405020304" pitchFamily="18" charset="0"/>
-                <a:cs typeface="Times New Roman" panose="02020603050405020304" pitchFamily="18" charset="0"/>
-              </a:rPr>
-              <a:t> Sharma</a:t>
-            </a:r>
-          </a:p>
-          <a:p>
-            <a:pPr algn="ctr">
-              <a:spcAft>
-                <a:spcPts val="600"/>
-              </a:spcAft>
-            </a:pPr>
-            <a:r>
-              <a:rPr lang="en-IN" dirty="0">
-                <a:latin typeface="Times New Roman" panose="02020603050405020304" pitchFamily="18" charset="0"/>
-                <a:cs typeface="Times New Roman" panose="02020603050405020304" pitchFamily="18" charset="0"/>
-              </a:rPr>
-              <a:t>Sanjay Girish Chauhan</a:t>
-            </a:r>
-          </a:p>
-          <a:p>
-            <a:pPr algn="ctr">
-              <a:spcAft>
-                <a:spcPts val="600"/>
-              </a:spcAft>
-            </a:pPr>
-            <a:r>
-              <a:rPr lang="en-IN" dirty="0">
-                <a:latin typeface="Times New Roman" panose="02020603050405020304" pitchFamily="18" charset="0"/>
-                <a:cs typeface="Times New Roman" panose="02020603050405020304" pitchFamily="18" charset="0"/>
-              </a:rPr>
-              <a:t>Mahesh Pandey</a:t>
-            </a:r>
-          </a:p>
-          <a:p>
-            <a:pPr algn="ctr">
-              <a:spcAft>
-                <a:spcPts val="600"/>
-              </a:spcAft>
-            </a:pPr>
-            <a:r>
-              <a:rPr lang="en-IN" dirty="0">
-                <a:latin typeface="Times New Roman" panose="02020603050405020304" pitchFamily="18" charset="0"/>
-                <a:cs typeface="Times New Roman" panose="02020603050405020304" pitchFamily="18" charset="0"/>
-              </a:rPr>
-              <a:t>Anup</a:t>
-            </a:r>
-          </a:p>
-          <a:p>
-            <a:pPr algn="ctr">
-              <a:spcAft>
-                <a:spcPts val="600"/>
-              </a:spcAft>
-            </a:pPr>
-            <a:endParaRPr lang="en-IN" dirty="0">
-              <a:latin typeface="Times New Roman" panose="02020603050405020304" pitchFamily="18" charset="0"/>
-              <a:cs typeface="Times New Roman" panose="02020603050405020304" pitchFamily="18" charset="0"/>
-            </a:endParaRPr>
-          </a:p>
-          <a:p>
-            <a:pPr algn="ctr">
-              <a:spcAft>
-                <a:spcPts val="600"/>
-              </a:spcAft>
-            </a:pPr>
-            <a:r>
-              <a:rPr lang="en-IN" dirty="0">
-                <a:latin typeface="Times New Roman" panose="02020603050405020304" pitchFamily="18" charset="0"/>
-                <a:cs typeface="Times New Roman" panose="02020603050405020304" pitchFamily="18" charset="0"/>
-              </a:rPr>
-              <a:t>14</a:t>
-            </a:r>
-            <a:r>
-              <a:rPr lang="en-IN" baseline="30000" dirty="0">
-                <a:latin typeface="Times New Roman" panose="02020603050405020304" pitchFamily="18" charset="0"/>
-                <a:cs typeface="Times New Roman" panose="02020603050405020304" pitchFamily="18" charset="0"/>
-              </a:rPr>
-              <a:t>th</a:t>
-            </a:r>
-            <a:r>
-              <a:rPr lang="en-IN" dirty="0">
-                <a:latin typeface="Times New Roman" panose="02020603050405020304" pitchFamily="18" charset="0"/>
-                <a:cs typeface="Times New Roman" panose="02020603050405020304" pitchFamily="18" charset="0"/>
-              </a:rPr>
-              <a:t> Oct 2020</a:t>
-            </a:r>
-          </a:p>
-          <a:p>
-            <a:pPr algn="ctr">
-              <a:spcAft>
-                <a:spcPts val="600"/>
-              </a:spcAft>
-            </a:pPr>
-            <a:r>
-              <a:rPr lang="en-IN" sz="2000" dirty="0">
-                <a:latin typeface="Times New Roman" panose="02020603050405020304" pitchFamily="18" charset="0"/>
-                <a:cs typeface="Times New Roman" panose="02020603050405020304" pitchFamily="18" charset="0"/>
-              </a:rPr>
-              <a:t>							</a:t>
-            </a:r>
-          </a:p>
-        </p:txBody>
-      </p:sp>
-      <p:pic>
-        <p:nvPicPr>
           <p:cNvPr id="12" name="Picture 11">
             <a:extLst>
               <a:ext uri="{FF2B5EF4-FFF2-40B4-BE49-F238E27FC236}">
@@ -6968,16 +6613,15 @@
           </p:cNvPicPr>
           <p:nvPr/>
         </p:nvPicPr>
-        <p:blipFill>
+        <p:blipFill rotWithShape="1">
           <a:blip r:embed="rId3"/>
-          <a:stretch>
-            <a:fillRect/>
-          </a:stretch>
+          <a:srcRect t="11007" r="4" b="6966"/>
+          <a:stretch/>
         </p:blipFill>
         <p:spPr>
           <a:xfrm>
-            <a:off x="4439168" y="1066800"/>
-            <a:ext cx="4400032" cy="5029200"/>
+            <a:off x="480059" y="1281127"/>
+            <a:ext cx="2181775" cy="1987007"/>
           </a:xfrm>
           <a:prstGeom prst="rect">
             <a:avLst/>
@@ -6986,10 +6630,79 @@
       </p:pic>
       <p:sp>
         <p:nvSpPr>
-          <p:cNvPr id="2" name="Rectangle 1">
+          <p:cNvPr id="4" name="Slide Number Placeholder 3">
             <a:extLst>
               <a:ext uri="{FF2B5EF4-FFF2-40B4-BE49-F238E27FC236}">
-                <a16:creationId xmlns:a16="http://schemas.microsoft.com/office/drawing/2014/main" id="{D2DF3E8C-48FB-4494-957F-97211197B4EE}"/>
+                <a16:creationId xmlns:a16="http://schemas.microsoft.com/office/drawing/2014/main" id="{710D593A-60B9-414C-A52C-6E1C0B0BBACB}"/>
+              </a:ext>
+            </a:extLst>
+          </p:cNvPr>
+          <p:cNvSpPr>
+            <a:spLocks noGrp="1"/>
+          </p:cNvSpPr>
+          <p:nvPr>
+            <p:ph type="sldNum" sz="quarter" idx="12"/>
+          </p:nvPr>
+        </p:nvSpPr>
+        <p:spPr>
+          <a:xfrm>
+            <a:off x="6572250" y="381000"/>
+            <a:ext cx="2057400" cy="365125"/>
+          </a:xfrm>
+        </p:spPr>
+        <p:txBody>
+          <a:bodyPr vert="horz" lIns="91440" tIns="45720" rIns="91440" bIns="45720" rtlCol="0" anchor="ctr">
+            <a:normAutofit/>
+          </a:bodyPr>
+          <a:lstStyle/>
+          <a:p>
+            <a:pPr>
+              <a:spcAft>
+                <a:spcPts val="600"/>
+              </a:spcAft>
+            </a:pPr>
+            <a:r>
+              <a:rPr lang="en-US"/>
+              <a:t>1</a:t>
+            </a:r>
+          </a:p>
+        </p:txBody>
+      </p:sp>
+      <p:pic>
+        <p:nvPicPr>
+          <p:cNvPr id="8" name="Picture 7">
+            <a:extLst>
+              <a:ext uri="{FF2B5EF4-FFF2-40B4-BE49-F238E27FC236}">
+                <a16:creationId xmlns:a16="http://schemas.microsoft.com/office/drawing/2014/main" id="{76DC9939-EF26-464C-88B6-36DE71C1D802}"/>
+              </a:ext>
+            </a:extLst>
+          </p:cNvPr>
+          <p:cNvPicPr>
+            <a:picLocks noChangeAspect="1"/>
+          </p:cNvPicPr>
+          <p:nvPr/>
+        </p:nvPicPr>
+        <p:blipFill rotWithShape="1">
+          <a:blip r:embed="rId4"/>
+          <a:srcRect l="1673" r="16446" b="3"/>
+          <a:stretch/>
+        </p:blipFill>
+        <p:spPr>
+          <a:xfrm>
+            <a:off x="480059" y="3589867"/>
+            <a:ext cx="2181775" cy="1985043"/>
+          </a:xfrm>
+          <a:prstGeom prst="rect">
+            <a:avLst/>
+          </a:prstGeom>
+        </p:spPr>
+      </p:pic>
+      <p:sp>
+        <p:nvSpPr>
+          <p:cNvPr id="6" name="Rectangle 5">
+            <a:extLst>
+              <a:ext uri="{FF2B5EF4-FFF2-40B4-BE49-F238E27FC236}">
+                <a16:creationId xmlns:a16="http://schemas.microsoft.com/office/drawing/2014/main" id="{02B7AEFA-3183-4DDE-866B-FB45DEA257E9}"/>
               </a:ext>
             </a:extLst>
           </p:cNvPr>
@@ -6998,38 +6711,134 @@
         </p:nvSpPr>
         <p:spPr>
           <a:xfrm>
-            <a:off x="152400" y="6400800"/>
-            <a:ext cx="1307537" cy="307777"/>
+            <a:off x="3505200" y="2194560"/>
+            <a:ext cx="5124450" cy="4024125"/>
           </a:xfrm>
           <a:prstGeom prst="rect">
             <a:avLst/>
           </a:prstGeom>
         </p:spPr>
         <p:txBody>
-          <a:bodyPr wrap="none">
-            <a:spAutoFit/>
+          <a:bodyPr vert="horz" lIns="91440" tIns="45720" rIns="91440" bIns="45720" rtlCol="0">
+            <a:normAutofit/>
           </a:bodyPr>
           <a:lstStyle/>
           <a:p>
-            <a:pPr marL="0" marR="0" lvl="0" indent="0" algn="ctr" defTabSz="457200" rtl="0" eaLnBrk="1" fontAlgn="auto" latinLnBrk="0" hangingPunct="1">
+            <a:pPr indent="-228600" defTabSz="914400">
               <a:lnSpc>
-                <a:spcPct val="100000"/>
+                <a:spcPct val="90000"/>
               </a:lnSpc>
-              <a:spcBef>
-                <a:spcPts val="0"/>
-              </a:spcBef>
               <a:spcAft>
                 <a:spcPts val="600"/>
               </a:spcAft>
-              <a:buClrTx/>
-              <a:buSzTx/>
-              <a:buFontTx/>
-              <a:buNone/>
-              <a:tabLst/>
-              <a:defRPr/>
+              <a:buFont typeface="Arial" panose="020B0604020202020204" pitchFamily="34" charset="0"/>
+              <a:buChar char="•"/>
             </a:pPr>
-            <a:r>
-              <a:rPr kumimoji="0" lang="en-IN" sz="1400" b="0" i="0" u="none" strike="noStrike" kern="1200" cap="none" spc="0" normalizeH="0" baseline="0" noProof="0" dirty="0">
+            <a:endParaRPr lang="en-US" dirty="0"/>
+          </a:p>
+          <a:p>
+            <a:pPr indent="-228600" defTabSz="914400">
+              <a:lnSpc>
+                <a:spcPct val="90000"/>
+              </a:lnSpc>
+              <a:spcAft>
+                <a:spcPts val="600"/>
+              </a:spcAft>
+              <a:buFont typeface="Arial" panose="020B0604020202020204" pitchFamily="34" charset="0"/>
+              <a:buChar char="•"/>
+            </a:pPr>
+            <a:r>
+              <a:rPr lang="en-US" dirty="0"/>
+              <a:t>Lecturer’s: Giulio Dalla Riva, Thomas Li</a:t>
+            </a:r>
+            <a:endParaRPr lang="en-US"/>
+          </a:p>
+          <a:p>
+            <a:pPr indent="-228600" defTabSz="914400">
+              <a:lnSpc>
+                <a:spcPct val="90000"/>
+              </a:lnSpc>
+              <a:spcAft>
+                <a:spcPts val="600"/>
+              </a:spcAft>
+              <a:buFont typeface="Arial" panose="020B0604020202020204" pitchFamily="34" charset="0"/>
+              <a:buChar char="•"/>
+            </a:pPr>
+            <a:r>
+              <a:rPr lang="en-US" dirty="0"/>
+              <a:t>	University of Canterbury</a:t>
+            </a:r>
+            <a:endParaRPr lang="en-US"/>
+          </a:p>
+          <a:p>
+            <a:pPr indent="-228600" defTabSz="914400">
+              <a:lnSpc>
+                <a:spcPct val="90000"/>
+              </a:lnSpc>
+              <a:spcAft>
+                <a:spcPts val="600"/>
+              </a:spcAft>
+              <a:buFont typeface="Arial" panose="020B0604020202020204" pitchFamily="34" charset="0"/>
+              <a:buChar char="•"/>
+            </a:pPr>
+            <a:endParaRPr lang="en-US" dirty="0"/>
+          </a:p>
+          <a:p>
+            <a:pPr indent="-228600" defTabSz="914400">
+              <a:lnSpc>
+                <a:spcPct val="90000"/>
+              </a:lnSpc>
+              <a:spcAft>
+                <a:spcPts val="600"/>
+              </a:spcAft>
+              <a:buFont typeface="Arial" panose="020B0604020202020204" pitchFamily="34" charset="0"/>
+              <a:buChar char="•"/>
+            </a:pPr>
+            <a:endParaRPr lang="en-US" dirty="0"/>
+          </a:p>
+        </p:txBody>
+      </p:sp>
+      <p:sp>
+        <p:nvSpPr>
+          <p:cNvPr id="7" name="Rectangle 6">
+            <a:extLst>
+              <a:ext uri="{FF2B5EF4-FFF2-40B4-BE49-F238E27FC236}">
+                <a16:creationId xmlns:a16="http://schemas.microsoft.com/office/drawing/2014/main" id="{E8841AA3-FC5A-4EF0-A0D7-A4772EF65501}"/>
+              </a:ext>
+            </a:extLst>
+          </p:cNvPr>
+          <p:cNvSpPr/>
+          <p:nvPr/>
+        </p:nvSpPr>
+        <p:spPr>
+          <a:xfrm>
+            <a:off x="3942832" y="3352800"/>
+            <a:ext cx="4134368" cy="3585597"/>
+          </a:xfrm>
+          <a:prstGeom prst="rect">
+            <a:avLst/>
+          </a:prstGeom>
+        </p:spPr>
+        <p:txBody>
+          <a:bodyPr wrap="square">
+            <a:spAutoFit/>
+          </a:bodyPr>
+          <a:lstStyle/>
+          <a:p>
+            <a:pPr algn="ctr">
+              <a:spcAft>
+                <a:spcPts val="600"/>
+              </a:spcAft>
+            </a:pPr>
+            <a:r>
+              <a:rPr lang="en-IN" dirty="0">
+                <a:latin typeface="Times New Roman" panose="02020603050405020304" pitchFamily="18" charset="0"/>
+                <a:cs typeface="Times New Roman" panose="02020603050405020304" pitchFamily="18" charset="0"/>
+              </a:rPr>
+              <a:t> By group - </a:t>
+            </a:r>
+            <a:r>
+              <a:rPr kumimoji="0" lang="en-IN" sz="1800" b="0" i="0" u="none" strike="noStrike" kern="1200" cap="none" spc="0" normalizeH="0" baseline="0" noProof="0" dirty="0">
                 <a:ln>
                   <a:noFill/>
                 </a:ln>
@@ -7046,38 +6855,159 @@
               <a:t>Data Wranglers</a:t>
             </a:r>
           </a:p>
-        </p:txBody>
-      </p:sp>
-      <p:pic>
-        <p:nvPicPr>
-          <p:cNvPr id="8" name="Picture 7">
-            <a:extLst>
-              <a:ext uri="{FF2B5EF4-FFF2-40B4-BE49-F238E27FC236}">
-                <a16:creationId xmlns:a16="http://schemas.microsoft.com/office/drawing/2014/main" id="{76DC9939-EF26-464C-88B6-36DE71C1D802}"/>
-              </a:ext>
-            </a:extLst>
-          </p:cNvPr>
-          <p:cNvPicPr>
-            <a:picLocks noChangeAspect="1"/>
-          </p:cNvPicPr>
-          <p:nvPr/>
-        </p:nvPicPr>
-        <p:blipFill>
-          <a:blip r:embed="rId4"/>
-          <a:stretch>
-            <a:fillRect/>
-          </a:stretch>
-        </p:blipFill>
-        <p:spPr>
-          <a:xfrm>
-            <a:off x="4455210" y="1066800"/>
-            <a:ext cx="4346408" cy="5029200"/>
-          </a:xfrm>
-          <a:prstGeom prst="rect">
-            <a:avLst/>
-          </a:prstGeom>
-        </p:spPr>
-      </p:pic>
+          <a:p>
+            <a:pPr algn="ctr">
+              <a:spcAft>
+                <a:spcPts val="600"/>
+              </a:spcAft>
+            </a:pPr>
+            <a:r>
+              <a:rPr lang="en-IN" dirty="0">
+                <a:latin typeface="Times New Roman" panose="02020603050405020304" pitchFamily="18" charset="0"/>
+                <a:cs typeface="Times New Roman" panose="02020603050405020304" pitchFamily="18" charset="0"/>
+              </a:rPr>
+              <a:t>Team</a:t>
+            </a:r>
+          </a:p>
+          <a:p>
+            <a:pPr algn="ctr">
+              <a:spcAft>
+                <a:spcPts val="600"/>
+              </a:spcAft>
+            </a:pPr>
+            <a:r>
+              <a:rPr lang="en-IN" dirty="0" err="1">
+                <a:latin typeface="Times New Roman" panose="02020603050405020304" pitchFamily="18" charset="0"/>
+                <a:cs typeface="Times New Roman" panose="02020603050405020304" pitchFamily="18" charset="0"/>
+              </a:rPr>
+              <a:t>Sharmistha</a:t>
+            </a:r>
+            <a:r>
+              <a:rPr lang="en-IN" dirty="0">
+                <a:latin typeface="Times New Roman" panose="02020603050405020304" pitchFamily="18" charset="0"/>
+                <a:cs typeface="Times New Roman" panose="02020603050405020304" pitchFamily="18" charset="0"/>
+              </a:rPr>
+              <a:t> Dutta (29625569)</a:t>
+            </a:r>
+          </a:p>
+          <a:p>
+            <a:pPr algn="ctr">
+              <a:spcAft>
+                <a:spcPts val="600"/>
+              </a:spcAft>
+            </a:pPr>
+            <a:r>
+              <a:rPr lang="en-IN" dirty="0" err="1">
+                <a:latin typeface="Times New Roman" panose="02020603050405020304" pitchFamily="18" charset="0"/>
+                <a:cs typeface="Times New Roman" panose="02020603050405020304" pitchFamily="18" charset="0"/>
+              </a:rPr>
+              <a:t>Prasoon</a:t>
+            </a:r>
+            <a:r>
+              <a:rPr lang="en-IN" dirty="0">
+                <a:latin typeface="Times New Roman" panose="02020603050405020304" pitchFamily="18" charset="0"/>
+                <a:cs typeface="Times New Roman" panose="02020603050405020304" pitchFamily="18" charset="0"/>
+              </a:rPr>
+              <a:t> Sharma</a:t>
+            </a:r>
+          </a:p>
+          <a:p>
+            <a:pPr algn="ctr">
+              <a:spcAft>
+                <a:spcPts val="600"/>
+              </a:spcAft>
+            </a:pPr>
+            <a:r>
+              <a:rPr lang="en-IN" dirty="0">
+                <a:latin typeface="Times New Roman" panose="02020603050405020304" pitchFamily="18" charset="0"/>
+                <a:cs typeface="Times New Roman" panose="02020603050405020304" pitchFamily="18" charset="0"/>
+              </a:rPr>
+              <a:t>Sanjay Girish Chauhan</a:t>
+            </a:r>
+          </a:p>
+          <a:p>
+            <a:pPr algn="ctr">
+              <a:spcAft>
+                <a:spcPts val="600"/>
+              </a:spcAft>
+            </a:pPr>
+            <a:r>
+              <a:rPr lang="en-IN" dirty="0">
+                <a:latin typeface="Times New Roman" panose="02020603050405020304" pitchFamily="18" charset="0"/>
+                <a:cs typeface="Times New Roman" panose="02020603050405020304" pitchFamily="18" charset="0"/>
+              </a:rPr>
+              <a:t>Mahesh Pandey</a:t>
+            </a:r>
+          </a:p>
+          <a:p>
+            <a:pPr algn="ctr">
+              <a:spcAft>
+                <a:spcPts val="600"/>
+              </a:spcAft>
+            </a:pPr>
+            <a:r>
+              <a:rPr lang="en-IN" dirty="0">
+                <a:latin typeface="Times New Roman" panose="02020603050405020304" pitchFamily="18" charset="0"/>
+                <a:cs typeface="Times New Roman" panose="02020603050405020304" pitchFamily="18" charset="0"/>
+              </a:rPr>
+              <a:t>Anoop</a:t>
+            </a:r>
+          </a:p>
+          <a:p>
+            <a:pPr algn="ctr">
+              <a:spcAft>
+                <a:spcPts val="600"/>
+              </a:spcAft>
+            </a:pPr>
+            <a:endParaRPr lang="en-IN" dirty="0">
+              <a:latin typeface="Times New Roman" panose="02020603050405020304" pitchFamily="18" charset="0"/>
+              <a:cs typeface="Times New Roman" panose="02020603050405020304" pitchFamily="18" charset="0"/>
+            </a:endParaRPr>
+          </a:p>
+          <a:p>
+            <a:pPr algn="ctr">
+              <a:spcAft>
+                <a:spcPts val="600"/>
+              </a:spcAft>
+            </a:pPr>
+            <a:r>
+              <a:rPr lang="en-IN" dirty="0">
+                <a:latin typeface="Times New Roman" panose="02020603050405020304" pitchFamily="18" charset="0"/>
+                <a:cs typeface="Times New Roman" panose="02020603050405020304" pitchFamily="18" charset="0"/>
+              </a:rPr>
+              <a:t>14</a:t>
+            </a:r>
+            <a:r>
+              <a:rPr lang="en-IN" baseline="30000" dirty="0">
+                <a:latin typeface="Times New Roman" panose="02020603050405020304" pitchFamily="18" charset="0"/>
+                <a:cs typeface="Times New Roman" panose="02020603050405020304" pitchFamily="18" charset="0"/>
+              </a:rPr>
+              <a:t>th</a:t>
+            </a:r>
+            <a:r>
+              <a:rPr lang="en-IN" dirty="0">
+                <a:latin typeface="Times New Roman" panose="02020603050405020304" pitchFamily="18" charset="0"/>
+                <a:cs typeface="Times New Roman" panose="02020603050405020304" pitchFamily="18" charset="0"/>
+              </a:rPr>
+              <a:t> Oct 2020</a:t>
+            </a:r>
+          </a:p>
+          <a:p>
+            <a:pPr algn="ctr">
+              <a:spcAft>
+                <a:spcPts val="600"/>
+              </a:spcAft>
+            </a:pPr>
+            <a:r>
+              <a:rPr lang="en-IN" sz="2000" dirty="0">
+                <a:latin typeface="Times New Roman" panose="02020603050405020304" pitchFamily="18" charset="0"/>
+                <a:cs typeface="Times New Roman" panose="02020603050405020304" pitchFamily="18" charset="0"/>
+              </a:rPr>
+              <a:t>							</a:t>
+            </a:r>
+          </a:p>
+        </p:txBody>
+      </p:sp>
     </p:spTree>
     <p:extLst>
       <p:ext uri="{BB962C8B-B14F-4D97-AF65-F5344CB8AC3E}">
@@ -7096,9 +7026,33 @@
   <p:cSld>
     <p:bg>
       <p:bgPr>
-        <a:solidFill>
-          <a:schemeClr val="bg1"/>
-        </a:solidFill>
+        <a:gradFill rotWithShape="1">
+          <a:gsLst>
+            <a:gs pos="0">
+              <a:schemeClr val="bg1">
+                <a:tint val="93000"/>
+                <a:shade val="98000"/>
+                <a:satMod val="150000"/>
+                <a:lumMod val="102000"/>
+              </a:schemeClr>
+            </a:gs>
+            <a:gs pos="50000">
+              <a:schemeClr val="bg1">
+                <a:tint val="98000"/>
+                <a:shade val="90000"/>
+                <a:satMod val="130000"/>
+                <a:lumMod val="103000"/>
+              </a:schemeClr>
+            </a:gs>
+            <a:gs pos="100000">
+              <a:schemeClr val="bg1">
+                <a:shade val="63000"/>
+                <a:satMod val="120000"/>
+              </a:schemeClr>
+            </a:gs>
+          </a:gsLst>
+          <a:lin ang="5400000" scaled="0"/>
+        </a:gradFill>
         <a:effectLst/>
       </p:bgPr>
     </p:bg>
@@ -7118,10 +7072,10 @@
       </p:grpSpPr>
       <p:pic>
         <p:nvPicPr>
-          <p:cNvPr id="25" name="Picture 24">
+          <p:cNvPr id="30" name="Picture 29">
             <a:extLst>
               <a:ext uri="{FF2B5EF4-FFF2-40B4-BE49-F238E27FC236}">
-                <a16:creationId xmlns:a16="http://schemas.microsoft.com/office/drawing/2014/main" id="{EC3BBC63-DC19-41B8-AB81-E30CC21AEB8B}"/>
+                <a16:creationId xmlns:a16="http://schemas.microsoft.com/office/drawing/2014/main" id="{9A22DDE2-FB2D-421B-B377-F9AD495CE9BB}"/>
               </a:ext>
               <a:ext uri="{C183D7F6-B498-43B3-948B-1728B52AA6E4}">
                 <adec:decorative xmlns:adec="http://schemas.microsoft.com/office/drawing/2017/decorative" val="1"/>
@@ -7161,6 +7115,66 @@
           </a:prstGeom>
         </p:spPr>
       </p:pic>
+      <p:sp useBgFill="1">
+        <p:nvSpPr>
+          <p:cNvPr id="32" name="Rectangle 31">
+            <a:extLst>
+              <a:ext uri="{FF2B5EF4-FFF2-40B4-BE49-F238E27FC236}">
+                <a16:creationId xmlns:a16="http://schemas.microsoft.com/office/drawing/2014/main" id="{26A3F16E-CC60-4737-8CBB-9568A351D30B}"/>
+              </a:ext>
+              <a:ext uri="{C183D7F6-B498-43B3-948B-1728B52AA6E4}">
+                <adec:decorative xmlns:adec="http://schemas.microsoft.com/office/drawing/2017/decorative" val="1"/>
+              </a:ext>
+            </a:extLst>
+          </p:cNvPr>
+          <p:cNvSpPr>
+            <a:spLocks noGrp="1" noRot="1" noChangeAspect="1" noMove="1" noResize="1" noEditPoints="1" noAdjustHandles="1" noChangeArrowheads="1" noChangeShapeType="1" noTextEdit="1"/>
+          </p:cNvSpPr>
+          <p:nvPr>
+            <p:extLst>
+              <p:ext uri="{386F3935-93C4-4BCD-93E2-E3B085C9AB24}">
+                <p16:designElem xmlns:p16="http://schemas.microsoft.com/office/powerpoint/2015/main" val="1"/>
+              </p:ext>
+            </p:extLst>
+          </p:nvPr>
+        </p:nvSpPr>
+        <p:spPr>
+          <a:xfrm>
+            <a:off x="0" y="0"/>
+            <a:ext cx="9144000" cy="6858000"/>
+          </a:xfrm>
+          <a:prstGeom prst="rect">
+            <a:avLst/>
+          </a:prstGeom>
+          <a:ln>
+            <a:noFill/>
+          </a:ln>
+        </p:spPr>
+        <p:style>
+          <a:lnRef idx="2">
+            <a:schemeClr val="accent1">
+              <a:shade val="50000"/>
+            </a:schemeClr>
+          </a:lnRef>
+          <a:fillRef idx="1">
+            <a:schemeClr val="accent1"/>
+          </a:fillRef>
+          <a:effectRef idx="0">
+            <a:schemeClr val="accent1"/>
+          </a:effectRef>
+          <a:fontRef idx="minor">
+            <a:schemeClr val="lt1"/>
+          </a:fontRef>
+        </p:style>
+        <p:txBody>
+          <a:bodyPr rtlCol="0" anchor="ctr"/>
+          <a:lstStyle/>
+          <a:p>
+            <a:pPr algn="ctr"/>
+            <a:endParaRPr lang="en-US"/>
+          </a:p>
+        </p:txBody>
+      </p:sp>
       <p:sp>
         <p:nvSpPr>
           <p:cNvPr id="2" name="Title 1">
@@ -7179,8 +7193,8 @@
         </p:nvSpPr>
         <p:spPr>
           <a:xfrm>
-            <a:off x="742950" y="228600"/>
-            <a:ext cx="5124450" cy="1293028"/>
+            <a:off x="3067880" y="764372"/>
+            <a:ext cx="5575552" cy="1432289"/>
           </a:xfrm>
         </p:spPr>
         <p:txBody>
@@ -7191,8 +7205,232 @@
           <a:p>
             <a:pPr algn="r"/>
             <a:r>
-              <a:rPr lang="en-US" sz="3600" u="sng" dirty="0"/>
+              <a:rPr lang="en-US" sz="4000" u="sng"/>
               <a:t>objectives</a:t>
+            </a:r>
+          </a:p>
+        </p:txBody>
+      </p:sp>
+      <p:sp>
+        <p:nvSpPr>
+          <p:cNvPr id="34" name="Rectangle 33">
+            <a:extLst>
+              <a:ext uri="{FF2B5EF4-FFF2-40B4-BE49-F238E27FC236}">
+                <a16:creationId xmlns:a16="http://schemas.microsoft.com/office/drawing/2014/main" id="{C0DABE73-66EA-42B0-AB0A-9FB1C0AD7AEB}"/>
+              </a:ext>
+              <a:ext uri="{C183D7F6-B498-43B3-948B-1728B52AA6E4}">
+                <adec:decorative xmlns:adec="http://schemas.microsoft.com/office/drawing/2017/decorative" val="1"/>
+              </a:ext>
+            </a:extLst>
+          </p:cNvPr>
+          <p:cNvSpPr>
+            <a:spLocks noGrp="1" noRot="1" noChangeAspect="1" noMove="1" noResize="1" noEditPoints="1" noAdjustHandles="1" noChangeArrowheads="1" noChangeShapeType="1" noTextEdit="1"/>
+          </p:cNvSpPr>
+          <p:nvPr>
+            <p:extLst>
+              <p:ext uri="{386F3935-93C4-4BCD-93E2-E3B085C9AB24}">
+                <p16:designElem xmlns:p16="http://schemas.microsoft.com/office/powerpoint/2015/main" val="1"/>
+              </p:ext>
+            </p:extLst>
+          </p:nvPr>
+        </p:nvSpPr>
+        <p:spPr>
+          <a:xfrm>
+            <a:off x="0" y="0"/>
+            <a:ext cx="2554794" cy="6858000"/>
+          </a:xfrm>
+          <a:prstGeom prst="rect">
+            <a:avLst/>
+          </a:prstGeom>
+          <a:gradFill flip="none" rotWithShape="1">
+            <a:gsLst>
+              <a:gs pos="0">
+                <a:schemeClr val="accent1">
+                  <a:lumMod val="89000"/>
+                </a:schemeClr>
+              </a:gs>
+              <a:gs pos="23000">
+                <a:schemeClr val="accent1">
+                  <a:lumMod val="89000"/>
+                </a:schemeClr>
+              </a:gs>
+              <a:gs pos="69000">
+                <a:schemeClr val="accent1">
+                  <a:lumMod val="75000"/>
+                </a:schemeClr>
+              </a:gs>
+              <a:gs pos="97000">
+                <a:schemeClr val="accent1">
+                  <a:lumMod val="70000"/>
+                </a:schemeClr>
+              </a:gs>
+            </a:gsLst>
+            <a:path path="circle">
+              <a:fillToRect l="50000" t="50000" r="50000" b="50000"/>
+            </a:path>
+            <a:tileRect/>
+          </a:gradFill>
+          <a:ln>
+            <a:noFill/>
+          </a:ln>
+          <a:effectLst>
+            <a:outerShdw blurRad="63500" dist="38100" algn="l" rotWithShape="0">
+              <a:prstClr val="black">
+                <a:alpha val="40000"/>
+              </a:prstClr>
+            </a:outerShdw>
+          </a:effectLst>
+        </p:spPr>
+        <p:style>
+          <a:lnRef idx="2">
+            <a:schemeClr val="accent1">
+              <a:shade val="50000"/>
+            </a:schemeClr>
+          </a:lnRef>
+          <a:fillRef idx="1">
+            <a:schemeClr val="accent1"/>
+          </a:fillRef>
+          <a:effectRef idx="0">
+            <a:schemeClr val="accent1"/>
+          </a:effectRef>
+          <a:fontRef idx="minor">
+            <a:schemeClr val="lt1"/>
+          </a:fontRef>
+        </p:style>
+        <p:txBody>
+          <a:bodyPr rtlCol="0" anchor="ctr"/>
+          <a:lstStyle/>
+          <a:p>
+            <a:pPr marL="0" marR="0" lvl="0" indent="0" algn="ctr" defTabSz="457200" rtl="0" eaLnBrk="1" fontAlgn="auto" latinLnBrk="0" hangingPunct="1">
+              <a:lnSpc>
+                <a:spcPct val="100000"/>
+              </a:lnSpc>
+              <a:spcBef>
+                <a:spcPts val="0"/>
+              </a:spcBef>
+              <a:spcAft>
+                <a:spcPts val="0"/>
+              </a:spcAft>
+              <a:buClrTx/>
+              <a:buSzTx/>
+              <a:buFontTx/>
+              <a:buNone/>
+              <a:tabLst/>
+              <a:defRPr/>
+            </a:pPr>
+            <a:endParaRPr kumimoji="0" lang="en-US" sz="1800" b="0" i="0" u="none" strike="noStrike" kern="1200" cap="none" spc="0" normalizeH="0" baseline="0" noProof="0">
+              <a:ln>
+                <a:noFill/>
+              </a:ln>
+              <a:solidFill>
+                <a:prstClr val="white"/>
+              </a:solidFill>
+              <a:effectLst/>
+              <a:uLnTx/>
+              <a:uFillTx/>
+              <a:latin typeface="Century Gothic" panose="020B0502020202020204"/>
+              <a:ea typeface="+mn-ea"/>
+              <a:cs typeface="+mn-cs"/>
+            </a:endParaRPr>
+          </a:p>
+        </p:txBody>
+      </p:sp>
+      <p:pic>
+        <p:nvPicPr>
+          <p:cNvPr id="36" name="Picture 35">
+            <a:extLst>
+              <a:ext uri="{FF2B5EF4-FFF2-40B4-BE49-F238E27FC236}">
+                <a16:creationId xmlns:a16="http://schemas.microsoft.com/office/drawing/2014/main" id="{1E4917B9-5D95-4999-9E13-3568EDD42343}"/>
+              </a:ext>
+              <a:ext uri="{C183D7F6-B498-43B3-948B-1728B52AA6E4}">
+                <adec:decorative xmlns:adec="http://schemas.microsoft.com/office/drawing/2017/decorative" val="1"/>
+              </a:ext>
+            </a:extLst>
+          </p:cNvPr>
+          <p:cNvPicPr>
+            <a:picLocks noGrp="1" noRot="1" noChangeAspect="1" noMove="1" noResize="1" noEditPoints="1" noAdjustHandles="1" noChangeArrowheads="1" noChangeShapeType="1" noCrop="1"/>
+          </p:cNvPicPr>
+          <p:nvPr>
+            <p:extLst>
+              <p:ext uri="{386F3935-93C4-4BCD-93E2-E3B085C9AB24}">
+                <p16:designElem xmlns:p16="http://schemas.microsoft.com/office/powerpoint/2015/main" val="1"/>
+              </p:ext>
+            </p:extLst>
+          </p:nvPr>
+        </p:nvPicPr>
+        <p:blipFill rotWithShape="1">
+          <a:blip r:embed="rId4">
+            <a:extLst>
+              <a:ext uri="{28A0092B-C50C-407E-A947-70E740481C1C}">
+                <a14:useLocalDpi xmlns:a14="http://schemas.microsoft.com/office/drawing/2010/main" val="0"/>
+              </a:ext>
+            </a:extLst>
+          </a:blip>
+          <a:srcRect t="-531" r="43746" b="531"/>
+          <a:stretch/>
+        </p:blipFill>
+        <p:spPr>
+          <a:xfrm rot="5400000" flipH="1" flipV="1">
+            <a:off x="-1805274" y="2497932"/>
+            <a:ext cx="6857999" cy="1862138"/>
+          </a:xfrm>
+          <a:prstGeom prst="rect">
+            <a:avLst/>
+          </a:prstGeom>
+        </p:spPr>
+      </p:pic>
+      <p:sp>
+        <p:nvSpPr>
+          <p:cNvPr id="8" name="Slide Number Placeholder 19">
+            <a:extLst>
+              <a:ext uri="{FF2B5EF4-FFF2-40B4-BE49-F238E27FC236}">
+                <a16:creationId xmlns:a16="http://schemas.microsoft.com/office/drawing/2014/main" id="{2F6167C4-3807-428B-AAF4-C43D7911BF49}"/>
+              </a:ext>
+            </a:extLst>
+          </p:cNvPr>
+          <p:cNvSpPr>
+            <a:spLocks noGrp="1"/>
+          </p:cNvSpPr>
+          <p:nvPr>
+            <p:ph type="sldNum" sz="quarter" idx="12"/>
+          </p:nvPr>
+        </p:nvSpPr>
+        <p:spPr>
+          <a:xfrm>
+            <a:off x="6572250" y="381000"/>
+            <a:ext cx="2057400" cy="365125"/>
+          </a:xfrm>
+        </p:spPr>
+        <p:txBody>
+          <a:bodyPr vert="horz" lIns="91440" tIns="45720" rIns="91440" bIns="45720" rtlCol="0" anchor="ctr">
+            <a:normAutofit/>
+          </a:bodyPr>
+          <a:lstStyle/>
+          <a:p>
+            <a:pPr marR="0" lvl="0" indent="0" fontAlgn="auto">
+              <a:spcBef>
+                <a:spcPts val="0"/>
+              </a:spcBef>
+              <a:spcAft>
+                <a:spcPts val="600"/>
+              </a:spcAft>
+              <a:buClrTx/>
+              <a:buSzTx/>
+              <a:buFontTx/>
+              <a:buNone/>
+              <a:tabLst/>
+              <a:defRPr/>
+            </a:pPr>
+            <a:r>
+              <a:rPr kumimoji="0" lang="en-US" b="0" i="0" u="none" strike="noStrike" cap="none" spc="0" normalizeH="0" baseline="0" noProof="0">
+                <a:ln>
+                  <a:noFill/>
+                </a:ln>
+                <a:effectLst/>
+                <a:uLnTx/>
+                <a:uFillTx/>
+              </a:rPr>
+              <a:t>2</a:t>
             </a:r>
           </a:p>
         </p:txBody>
@@ -7215,8 +7453,8 @@
         </p:nvSpPr>
         <p:spPr>
           <a:xfrm>
-            <a:off x="464820" y="1371600"/>
-            <a:ext cx="5124450" cy="4024125"/>
+            <a:off x="3067880" y="2628900"/>
+            <a:ext cx="5590558" cy="3589785"/>
           </a:xfrm>
         </p:spPr>
         <p:txBody>
@@ -7230,13 +7468,16 @@
               <a:buChar char="•"/>
             </a:pPr>
             <a:r>
-              <a:rPr lang="en-US" sz="1600" dirty="0"/>
+              <a:rPr lang="en-US" sz="1700"/>
               <a:t>To collect data from the reliable sources.</a:t>
             </a:r>
           </a:p>
           <a:p>
-            <a:pPr marL="114300"/>
-            <a:endParaRPr lang="en-US" sz="1600" dirty="0"/>
+            <a:pPr marL="114300" indent="-228600">
+              <a:buFont typeface="Arial" panose="020B0604020202020204" pitchFamily="34" charset="0"/>
+              <a:buChar char="•"/>
+            </a:pPr>
+            <a:endParaRPr lang="en-US" sz="1700"/>
           </a:p>
           <a:p>
             <a:pPr marL="342900" indent="-228600">
@@ -7244,7 +7485,7 @@
               <a:buChar char="•"/>
             </a:pPr>
             <a:r>
-              <a:rPr lang="en-US" sz="1600" dirty="0"/>
+              <a:rPr lang="en-US" sz="1700"/>
               <a:t>Cleaning and preprocessing.</a:t>
             </a:r>
           </a:p>
@@ -7253,7 +7494,7 @@
               <a:buFont typeface="Arial" panose="020B0604020202020204" pitchFamily="34" charset="0"/>
               <a:buChar char="•"/>
             </a:pPr>
-            <a:endParaRPr lang="en-US" sz="1600" dirty="0"/>
+            <a:endParaRPr lang="en-US" sz="1700"/>
           </a:p>
           <a:p>
             <a:pPr marL="342900" indent="-228600">
@@ -7261,7 +7502,7 @@
               <a:buChar char="•"/>
             </a:pPr>
             <a:r>
-              <a:rPr lang="en-US" sz="1600" dirty="0"/>
+              <a:rPr lang="en-US" sz="1700"/>
               <a:t>Data analysis on movie data from IMDB and Rotten Tomatoes.</a:t>
             </a:r>
           </a:p>
@@ -7295,9 +7536,6 @@
           <a:lstStyle/>
           <a:p>
             <a:pPr marL="0" marR="0" lvl="0" indent="0" algn="ctr" defTabSz="457200" rtl="0" eaLnBrk="1" fontAlgn="auto" latinLnBrk="0" hangingPunct="1">
-              <a:lnSpc>
-                <a:spcPct val="100000"/>
-              </a:lnSpc>
               <a:spcBef>
                 <a:spcPts val="0"/>
               </a:spcBef>
@@ -7312,7 +7550,7 @@
               <a:defRPr/>
             </a:pPr>
             <a:r>
-              <a:rPr kumimoji="0" lang="en-IN" sz="1400" b="0" i="0" u="none" strike="noStrike" kern="1200" cap="none" spc="0" normalizeH="0" baseline="0" noProof="0">
+              <a:rPr kumimoji="0" lang="en-IN" sz="1400" b="0" i="0" u="none" strike="noStrike" kern="1200" cap="none" spc="0" normalizeH="0" baseline="0" noProof="0" dirty="0">
                 <a:ln>
                   <a:noFill/>
                 </a:ln>
@@ -7328,103 +7566,6 @@
               </a:rPr>
               <a:t>Data Wranglers</a:t>
             </a:r>
-            <a:endParaRPr kumimoji="0" lang="en-IN" sz="1400" b="0" i="0" u="none" strike="noStrike" kern="1200" cap="none" spc="0" normalizeH="0" baseline="0" noProof="0" dirty="0">
-              <a:ln>
-                <a:noFill/>
-              </a:ln>
-              <a:solidFill>
-                <a:prstClr val="white"/>
-              </a:solidFill>
-              <a:effectLst/>
-              <a:uLnTx/>
-              <a:uFillTx/>
-              <a:latin typeface="Times New Roman" panose="02020603050405020304" pitchFamily="18" charset="0"/>
-              <a:ea typeface="+mn-ea"/>
-              <a:cs typeface="Times New Roman" panose="02020603050405020304" pitchFamily="18" charset="0"/>
-            </a:endParaRPr>
-          </a:p>
-        </p:txBody>
-      </p:sp>
-      <p:sp>
-        <p:nvSpPr>
-          <p:cNvPr id="8" name="Slide Number Placeholder 19">
-            <a:extLst>
-              <a:ext uri="{FF2B5EF4-FFF2-40B4-BE49-F238E27FC236}">
-                <a16:creationId xmlns:a16="http://schemas.microsoft.com/office/drawing/2014/main" id="{2F6167C4-3807-428B-AAF4-C43D7911BF49}"/>
-              </a:ext>
-            </a:extLst>
-          </p:cNvPr>
-          <p:cNvSpPr>
-            <a:spLocks noGrp="1"/>
-          </p:cNvSpPr>
-          <p:nvPr>
-            <p:ph type="sldNum" sz="quarter" idx="12"/>
-          </p:nvPr>
-        </p:nvSpPr>
-        <p:spPr>
-          <a:xfrm>
-            <a:off x="1981200" y="6324600"/>
-            <a:ext cx="2057400" cy="365125"/>
-          </a:xfrm>
-        </p:spPr>
-        <p:txBody>
-          <a:bodyPr vert="horz" lIns="91440" tIns="45720" rIns="91440" bIns="45720" rtlCol="0" anchor="ctr">
-            <a:normAutofit/>
-          </a:bodyPr>
-          <a:lstStyle/>
-          <a:p>
-            <a:pPr marL="0" marR="0" lvl="0" indent="0" algn="r" defTabSz="457200" rtl="0" eaLnBrk="1" fontAlgn="auto" latinLnBrk="0" hangingPunct="1">
-              <a:lnSpc>
-                <a:spcPct val="100000"/>
-              </a:lnSpc>
-              <a:spcBef>
-                <a:spcPts val="0"/>
-              </a:spcBef>
-              <a:spcAft>
-                <a:spcPts val="600"/>
-              </a:spcAft>
-              <a:buClrTx/>
-              <a:buSzTx/>
-              <a:buFontTx/>
-              <a:buNone/>
-              <a:tabLst/>
-              <a:defRPr/>
-            </a:pPr>
-            <a:r>
-              <a:rPr kumimoji="0" lang="en-US" sz="1050" b="0" i="0" u="none" strike="noStrike" kern="1200" cap="none" spc="0" normalizeH="0" baseline="0" noProof="0">
-                <a:ln>
-                  <a:noFill/>
-                </a:ln>
-                <a:solidFill>
-                  <a:prstClr val="white">
-                    <a:tint val="75000"/>
-                  </a:prstClr>
-                </a:solidFill>
-                <a:effectLst/>
-                <a:uLnTx/>
-                <a:uFillTx/>
-                <a:latin typeface="Century Gothic" panose="020B0502020202020204"/>
-                <a:ea typeface="+mn-ea"/>
-                <a:cs typeface="+mn-cs"/>
-              </a:rPr>
-              <a:t>2</a:t>
-            </a:r>
-            <a:endParaRPr kumimoji="0" lang="en-US" sz="1050" b="0" i="0" u="none" strike="noStrike" kern="1200" cap="none" spc="0" normalizeH="0" baseline="0" noProof="0" dirty="0">
-              <a:ln>
-                <a:noFill/>
-              </a:ln>
-              <a:solidFill>
-                <a:prstClr val="white">
-                  <a:tint val="75000"/>
-                </a:prstClr>
-              </a:solidFill>
-              <a:effectLst/>
-              <a:uLnTx/>
-              <a:uFillTx/>
-              <a:latin typeface="Century Gothic" panose="020B0502020202020204"/>
-              <a:ea typeface="+mn-ea"/>
-              <a:cs typeface="+mn-cs"/>
-            </a:endParaRPr>
           </a:p>
         </p:txBody>
       </p:sp>
@@ -7436,7 +7577,7 @@
     </p:extLst>
   </p:cSld>
   <p:clrMapOvr>
-    <a:masterClrMapping/>
+    <a:overrideClrMapping bg1="lt1" tx1="dk1" bg2="lt2" tx2="dk2" accent1="accent1" accent2="accent2" accent3="accent3" accent4="accent4" accent5="accent5" accent6="accent6" hlink="hlink" folHlink="folHlink"/>
   </p:clrMapOvr>
 </p:sld>
 </file>
